--- a/05_Performance.pptx
+++ b/05_Performance.pptx
@@ -8015,7 +8015,7 @@
                   <a:schemeClr val="dk1"/>
                 </a:solidFill>
               </a:rPr>
-              <a:t>Predicted result matches expectation with Romney winning 67% of the counties, and the model successfully predicted some </a:t>
+              <a:t>Predicted result matches expectation with Romney winning 67% of the counties, and the model overcome imbalances to successfully predicted more Barack Obama winning cases</a:t>
             </a:r>
             <a:endParaRPr b="1" sz="1900">
               <a:solidFill>
@@ -9467,7 +9467,7 @@
             </a:pPr>
             <a:r>
               <a:rPr lang="en" sz="1600"/>
-              <a:t>Limited data and time of data prevent us from any</a:t>
+              <a:t>Limited data and time of data prevent us from other options</a:t>
             </a:r>
             <a:endParaRPr sz="1600"/>
           </a:p>
